--- a/PPT/PyQt02-First.pptx
+++ b/PPT/PyQt02-First.pptx
@@ -5,18 +5,17 @@
     <p:sldMasterId id="2147483653" r:id="rId1"/>
   </p:sldMasterIdLst>
   <p:notesMasterIdLst>
-    <p:notesMasterId r:id="rId8"/>
+    <p:notesMasterId r:id="rId7"/>
   </p:notesMasterIdLst>
   <p:handoutMasterIdLst>
-    <p:handoutMasterId r:id="rId9"/>
+    <p:handoutMasterId r:id="rId8"/>
   </p:handoutMasterIdLst>
   <p:sldIdLst>
     <p:sldId id="264" r:id="rId2"/>
     <p:sldId id="265" r:id="rId3"/>
-    <p:sldId id="266" r:id="rId4"/>
-    <p:sldId id="267" r:id="rId5"/>
-    <p:sldId id="268" r:id="rId6"/>
-    <p:sldId id="269" r:id="rId7"/>
+    <p:sldId id="267" r:id="rId4"/>
+    <p:sldId id="268" r:id="rId5"/>
+    <p:sldId id="269" r:id="rId6"/>
   </p:sldIdLst>
   <p:sldSz cx="9144000" cy="6858000" type="screen4x3"/>
   <p:notesSz cx="6648450" cy="9782175"/>
@@ -3882,123 +3881,6 @@
           <p:cNvPr id="2" name="Titre 1">
             <a:extLst>
               <a:ext uri="{FF2B5EF4-FFF2-40B4-BE49-F238E27FC236}">
-                <a16:creationId xmlns:a16="http://schemas.microsoft.com/office/drawing/2014/main" id="{5D299F1B-6218-5D19-AB77-791FC3E4B225}"/>
-              </a:ext>
-            </a:extLst>
-          </p:cNvPr>
-          <p:cNvSpPr>
-            <a:spLocks noGrp="1"/>
-          </p:cNvSpPr>
-          <p:nvPr>
-            <p:ph type="title"/>
-          </p:nvPr>
-        </p:nvSpPr>
-        <p:spPr/>
-        <p:txBody>
-          <a:bodyPr/>
-          <a:lstStyle/>
-          <a:p>
-            <a:r>
-              <a:rPr lang="fr-FR" dirty="0" err="1"/>
-              <a:t>QMainWindow</a:t>
-            </a:r>
-            <a:endParaRPr lang="fr-FR" dirty="0"/>
-          </a:p>
-        </p:txBody>
-      </p:sp>
-      <p:sp>
-        <p:nvSpPr>
-          <p:cNvPr id="3" name="Espace réservé du contenu 2">
-            <a:extLst>
-              <a:ext uri="{FF2B5EF4-FFF2-40B4-BE49-F238E27FC236}">
-                <a16:creationId xmlns:a16="http://schemas.microsoft.com/office/drawing/2014/main" id="{7B15EB97-D6F5-59B7-9A4C-F777EB87FD75}"/>
-              </a:ext>
-            </a:extLst>
-          </p:cNvPr>
-          <p:cNvSpPr>
-            <a:spLocks noGrp="1"/>
-          </p:cNvSpPr>
-          <p:nvPr>
-            <p:ph idx="1"/>
-          </p:nvPr>
-        </p:nvSpPr>
-        <p:spPr/>
-        <p:txBody>
-          <a:bodyPr/>
-          <a:lstStyle/>
-          <a:p>
-            <a:r>
-              <a:rPr lang="fr-FR" dirty="0"/>
-              <a:t>Affiche exactement la même fenêtre</a:t>
-            </a:r>
-          </a:p>
-        </p:txBody>
-      </p:sp>
-      <p:pic>
-        <p:nvPicPr>
-          <p:cNvPr id="5" name="Image 4">
-            <a:extLst>
-              <a:ext uri="{FF2B5EF4-FFF2-40B4-BE49-F238E27FC236}">
-                <a16:creationId xmlns:a16="http://schemas.microsoft.com/office/drawing/2014/main" id="{2DA3B102-5C6E-79D5-C754-71F63692C481}"/>
-              </a:ext>
-            </a:extLst>
-          </p:cNvPr>
-          <p:cNvPicPr>
-            <a:picLocks noChangeAspect="1"/>
-          </p:cNvPicPr>
-          <p:nvPr/>
-        </p:nvPicPr>
-        <p:blipFill>
-          <a:blip r:embed="rId2"/>
-          <a:stretch>
-            <a:fillRect/>
-          </a:stretch>
-        </p:blipFill>
-        <p:spPr>
-          <a:xfrm>
-            <a:off x="1750716" y="2564904"/>
-            <a:ext cx="5642567" cy="2692594"/>
-          </a:xfrm>
-          <a:prstGeom prst="rect">
-            <a:avLst/>
-          </a:prstGeom>
-        </p:spPr>
-      </p:pic>
-    </p:spTree>
-    <p:extLst>
-      <p:ext uri="{BB962C8B-B14F-4D97-AF65-F5344CB8AC3E}">
-        <p14:creationId xmlns:p14="http://schemas.microsoft.com/office/powerpoint/2010/main" val="2124697198"/>
-      </p:ext>
-    </p:extLst>
-  </p:cSld>
-  <p:clrMapOvr>
-    <a:masterClrMapping/>
-  </p:clrMapOvr>
-</p:sld>
-</file>
-
-<file path=ppt/slides/slide4.xml><?xml version="1.0" encoding="utf-8"?>
-<p:sld xmlns:a="http://schemas.openxmlformats.org/drawingml/2006/main" xmlns:r="http://schemas.openxmlformats.org/officeDocument/2006/relationships" xmlns:p="http://schemas.openxmlformats.org/presentationml/2006/main">
-  <p:cSld>
-    <p:spTree>
-      <p:nvGrpSpPr>
-        <p:cNvPr id="1" name=""/>
-        <p:cNvGrpSpPr/>
-        <p:nvPr/>
-      </p:nvGrpSpPr>
-      <p:grpSpPr>
-        <a:xfrm>
-          <a:off x="0" y="0"/>
-          <a:ext cx="0" cy="0"/>
-          <a:chOff x="0" y="0"/>
-          <a:chExt cx="0" cy="0"/>
-        </a:xfrm>
-      </p:grpSpPr>
-      <p:sp>
-        <p:nvSpPr>
-          <p:cNvPr id="2" name="Titre 1">
-            <a:extLst>
-              <a:ext uri="{FF2B5EF4-FFF2-40B4-BE49-F238E27FC236}">
                 <a16:creationId xmlns:a16="http://schemas.microsoft.com/office/drawing/2014/main" id="{3D399DB1-853E-F4B1-9F15-620214202AEF}"/>
               </a:ext>
             </a:extLst>
@@ -4140,7 +4022,7 @@
 </p:sld>
 </file>
 
-<file path=ppt/slides/slide5.xml><?xml version="1.0" encoding="utf-8"?>
+<file path=ppt/slides/slide4.xml><?xml version="1.0" encoding="utf-8"?>
 <p:sld xmlns:a="http://schemas.openxmlformats.org/drawingml/2006/main" xmlns:r="http://schemas.openxmlformats.org/officeDocument/2006/relationships" xmlns:p="http://schemas.openxmlformats.org/presentationml/2006/main">
   <p:cSld>
     <p:spTree>
@@ -4286,7 +4168,7 @@
 </p:sld>
 </file>
 
-<file path=ppt/slides/slide6.xml><?xml version="1.0" encoding="utf-8"?>
+<file path=ppt/slides/slide5.xml><?xml version="1.0" encoding="utf-8"?>
 <p:sld xmlns:a="http://schemas.openxmlformats.org/drawingml/2006/main" xmlns:r="http://schemas.openxmlformats.org/officeDocument/2006/relationships" xmlns:p="http://schemas.openxmlformats.org/presentationml/2006/main">
   <p:cSld>
     <p:spTree>
